--- a/PABMI/PRUEBAS/Pasos de los Proceso/Pasos de los procesos.pptx
+++ b/PABMI/PRUEBAS/Pasos de los Proceso/Pasos de los procesos.pptx
@@ -218,7 +218,7 @@
           <a:p>
             <a:fld id="{6299B5F9-6FA2-43FC-A8BB-AB9DBC863D83}" type="datetimeFigureOut">
               <a:rPr lang="es-MX" smtClean="0"/>
-              <a:t>29/11/2023</a:t>
+              <a:t>19/01/2024</a:t>
             </a:fld>
             <a:endParaRPr lang="es-MX"/>
           </a:p>
@@ -388,7 +388,7 @@
           <a:p>
             <a:fld id="{6F5DD54C-D8CB-40A2-879A-B011220BEDA4}" type="datetimeFigureOut">
               <a:rPr lang="es-MX" smtClean="0"/>
-              <a:t>29/11/2023</a:t>
+              <a:t>19/01/2024</a:t>
             </a:fld>
             <a:endParaRPr lang="es-MX"/>
           </a:p>
@@ -872,7 +872,7 @@
           <a:p>
             <a:fld id="{FC94F245-316A-4612-823F-4BADC6982606}" type="datetime1">
               <a:rPr lang="es-MX" smtClean="0"/>
-              <a:t>29/11/2023</a:t>
+              <a:t>19/01/2024</a:t>
             </a:fld>
             <a:endParaRPr lang="es-MX"/>
           </a:p>
@@ -1042,7 +1042,7 @@
           <a:p>
             <a:fld id="{625E7BE8-5F81-4B2C-82FC-04900593364F}" type="datetime1">
               <a:rPr lang="es-MX" smtClean="0"/>
-              <a:t>29/11/2023</a:t>
+              <a:t>19/01/2024</a:t>
             </a:fld>
             <a:endParaRPr lang="es-MX"/>
           </a:p>
@@ -1222,7 +1222,7 @@
           <a:p>
             <a:fld id="{B44ADDBC-C0BA-462A-87A6-3F24F46E9AFE}" type="datetime1">
               <a:rPr lang="es-MX" smtClean="0"/>
-              <a:t>29/11/2023</a:t>
+              <a:t>19/01/2024</a:t>
             </a:fld>
             <a:endParaRPr lang="es-MX"/>
           </a:p>
@@ -1392,7 +1392,7 @@
           <a:p>
             <a:fld id="{586844D3-5697-40F7-8F39-4F780FE14C31}" type="datetime1">
               <a:rPr lang="es-MX" smtClean="0"/>
-              <a:t>29/11/2023</a:t>
+              <a:t>19/01/2024</a:t>
             </a:fld>
             <a:endParaRPr lang="es-MX"/>
           </a:p>
@@ -1638,7 +1638,7 @@
           <a:p>
             <a:fld id="{54EA6ECE-00C2-4626-AA56-BBEED8982F51}" type="datetime1">
               <a:rPr lang="es-MX" smtClean="0"/>
-              <a:t>29/11/2023</a:t>
+              <a:t>19/01/2024</a:t>
             </a:fld>
             <a:endParaRPr lang="es-MX"/>
           </a:p>
@@ -1870,7 +1870,7 @@
           <a:p>
             <a:fld id="{4F160635-47DB-4E71-BCE2-95912B7375EF}" type="datetime1">
               <a:rPr lang="es-MX" smtClean="0"/>
-              <a:t>29/11/2023</a:t>
+              <a:t>19/01/2024</a:t>
             </a:fld>
             <a:endParaRPr lang="es-MX"/>
           </a:p>
@@ -2237,7 +2237,7 @@
           <a:p>
             <a:fld id="{087FC1F1-0161-42B2-810D-54546F9FFAEF}" type="datetime1">
               <a:rPr lang="es-MX" smtClean="0"/>
-              <a:t>29/11/2023</a:t>
+              <a:t>19/01/2024</a:t>
             </a:fld>
             <a:endParaRPr lang="es-MX"/>
           </a:p>
@@ -2355,7 +2355,7 @@
           <a:p>
             <a:fld id="{A64AAFAC-7889-437F-84E7-901C8A3706AA}" type="datetime1">
               <a:rPr lang="es-MX" smtClean="0"/>
-              <a:t>29/11/2023</a:t>
+              <a:t>19/01/2024</a:t>
             </a:fld>
             <a:endParaRPr lang="es-MX"/>
           </a:p>
@@ -2450,7 +2450,7 @@
           <a:p>
             <a:fld id="{66D218F2-0EC3-4AD0-AC6C-BB09C9B9BDD4}" type="datetime1">
               <a:rPr lang="es-MX" smtClean="0"/>
-              <a:t>29/11/2023</a:t>
+              <a:t>19/01/2024</a:t>
             </a:fld>
             <a:endParaRPr lang="es-MX"/>
           </a:p>
@@ -2727,7 +2727,7 @@
           <a:p>
             <a:fld id="{34B85301-D2A1-48C4-94F3-66022F967B69}" type="datetime1">
               <a:rPr lang="es-MX" smtClean="0"/>
-              <a:t>29/11/2023</a:t>
+              <a:t>19/01/2024</a:t>
             </a:fld>
             <a:endParaRPr lang="es-MX"/>
           </a:p>
@@ -2980,7 +2980,7 @@
           <a:p>
             <a:fld id="{26FCAB74-DF78-4318-8242-BDC145F0DEE2}" type="datetime1">
               <a:rPr lang="es-MX" smtClean="0"/>
-              <a:t>29/11/2023</a:t>
+              <a:t>19/01/2024</a:t>
             </a:fld>
             <a:endParaRPr lang="es-MX"/>
           </a:p>
@@ -3193,7 +3193,7 @@
           <a:p>
             <a:fld id="{F6CFE218-E723-43AB-8DFB-50020F851D60}" type="datetime1">
               <a:rPr lang="es-MX" smtClean="0"/>
-              <a:t>29/11/2023</a:t>
+              <a:t>19/01/2024</a:t>
             </a:fld>
             <a:endParaRPr lang="es-MX"/>
           </a:p>
@@ -12402,27 +12402,23 @@
         </p:nvSpPr>
         <p:spPr>
           <a:xfrm>
-            <a:off x="5681329" y="1129542"/>
-            <a:ext cx="745717" cy="246221"/>
-          </a:xfrm>
-          <a:prstGeom prst="rect">
-            <a:avLst/>
-          </a:prstGeom>
-          <a:noFill/>
-        </p:spPr>
-        <p:txBody>
-          <a:bodyPr wrap="none" rtlCol="0">
-            <a:spAutoFit/>
-          </a:bodyPr>
-          <a:lstStyle/>
-          <a:p>
-            <a:r>
-              <a:rPr lang="es-MX" sz="1000" dirty="0"/>
-              <a:t>l</a:t>
-            </a:r>
-            <a:r>
-              <a:rPr lang="es-MX" sz="1000" dirty="0" smtClean="0"/>
-              <a:t>uis.andres</a:t>
+            <a:off x="5714847" y="1114048"/>
+            <a:ext cx="684803" cy="246221"/>
+          </a:xfrm>
+          <a:prstGeom prst="rect">
+            <a:avLst/>
+          </a:prstGeom>
+          <a:noFill/>
+        </p:spPr>
+        <p:txBody>
+          <a:bodyPr wrap="none" rtlCol="0">
+            <a:spAutoFit/>
+          </a:bodyPr>
+          <a:lstStyle/>
+          <a:p>
+            <a:r>
+              <a:rPr lang="es-MX" sz="1000"/>
+              <a:t>luis.sierra</a:t>
             </a:r>
             <a:endParaRPr lang="es-MX" sz="1000" dirty="0"/>
           </a:p>
@@ -12437,26 +12433,22 @@
         <p:spPr>
           <a:xfrm>
             <a:off x="7449023" y="1114049"/>
-            <a:ext cx="974947" cy="246221"/>
-          </a:xfrm>
-          <a:prstGeom prst="rect">
-            <a:avLst/>
-          </a:prstGeom>
-          <a:noFill/>
-        </p:spPr>
-        <p:txBody>
-          <a:bodyPr wrap="none" rtlCol="0">
-            <a:spAutoFit/>
-          </a:bodyPr>
-          <a:lstStyle/>
-          <a:p>
-            <a:r>
-              <a:rPr lang="es-MX" sz="1000" dirty="0"/>
-              <a:t>j</a:t>
-            </a:r>
-            <a:r>
-              <a:rPr lang="es-MX" sz="1000" dirty="0" smtClean="0"/>
-              <a:t>udith.jaramillo</a:t>
+            <a:ext cx="771365" cy="246221"/>
+          </a:xfrm>
+          <a:prstGeom prst="rect">
+            <a:avLst/>
+          </a:prstGeom>
+          <a:noFill/>
+        </p:spPr>
+        <p:txBody>
+          <a:bodyPr wrap="none" rtlCol="0">
+            <a:spAutoFit/>
+          </a:bodyPr>
+          <a:lstStyle/>
+          <a:p>
+            <a:r>
+              <a:rPr lang="es-MX" sz="1000" dirty="0" err="1" smtClean="0"/>
+              <a:t>Luis.andres</a:t>
             </a:r>
             <a:endParaRPr lang="es-MX" sz="1000" dirty="0"/>
           </a:p>
@@ -12567,27 +12559,23 @@
         </p:nvSpPr>
         <p:spPr>
           <a:xfrm>
-            <a:off x="3956952" y="1129541"/>
-            <a:ext cx="745717" cy="246221"/>
-          </a:xfrm>
-          <a:prstGeom prst="rect">
-            <a:avLst/>
-          </a:prstGeom>
-          <a:noFill/>
-        </p:spPr>
-        <p:txBody>
-          <a:bodyPr wrap="none" rtlCol="0">
-            <a:spAutoFit/>
-          </a:bodyPr>
-          <a:lstStyle/>
-          <a:p>
-            <a:r>
-              <a:rPr lang="es-MX" sz="1000" dirty="0"/>
-              <a:t>l</a:t>
-            </a:r>
-            <a:r>
-              <a:rPr lang="es-MX" sz="1000" dirty="0" smtClean="0"/>
-              <a:t>uis.andres</a:t>
+            <a:off x="3861364" y="1114049"/>
+            <a:ext cx="684803" cy="246221"/>
+          </a:xfrm>
+          <a:prstGeom prst="rect">
+            <a:avLst/>
+          </a:prstGeom>
+          <a:noFill/>
+        </p:spPr>
+        <p:txBody>
+          <a:bodyPr wrap="none" rtlCol="0">
+            <a:spAutoFit/>
+          </a:bodyPr>
+          <a:lstStyle/>
+          <a:p>
+            <a:r>
+              <a:rPr lang="es-MX" sz="1000"/>
+              <a:t>luis.sierra</a:t>
             </a:r>
             <a:endParaRPr lang="es-MX" sz="1000" dirty="0"/>
           </a:p>
